--- a/2024-10-19/03_Mqtt.pptx
+++ b/2024-10-19/03_Mqtt.pptx
@@ -308,7 +308,7 @@
               <a:pPr>
                 <a:defRPr/>
               </a:pPr>
-              <a:t>16.10.2024</a:t>
+              <a:t>20.10.2024</a:t>
             </a:fld>
             <a:endParaRPr lang="de-AT"/>
           </a:p>
@@ -523,7 +523,7 @@
               <a:pPr>
                 <a:defRPr/>
               </a:pPr>
-              <a:t>16.10.2024</a:t>
+              <a:t>19.10.2024</a:t>
             </a:fld>
             <a:endParaRPr lang="de-AT"/>
           </a:p>
@@ -5915,8 +5915,8 @@
               <a:t>/e74/</a:t>
             </a:r>
             <a:r>
-              <a:rPr lang="de-AT" dirty="0" err="1"/>
-              <a:t>tempetrature</a:t>
+              <a:rPr lang="de-AT"/>
+              <a:t>temperature</a:t>
             </a:r>
             <a:r>
               <a:rPr lang="de-AT" dirty="0"/>
